--- a/The Yelp Elite_Presentation.pptx
+++ b/The Yelp Elite_Presentation.pptx
@@ -5,29 +5,32 @@
     <p:sldMasterId id="2147483648" r:id="rId2"/>
   </p:sldMasterIdLst>
   <p:notesMasterIdLst>
-    <p:notesMasterId r:id="rId15"/>
+    <p:notesMasterId r:id="rId18"/>
   </p:notesMasterIdLst>
   <p:handoutMasterIdLst>
-    <p:handoutMasterId r:id="rId16"/>
+    <p:handoutMasterId r:id="rId19"/>
   </p:handoutMasterIdLst>
   <p:sldIdLst>
     <p:sldId id="256" r:id="rId3"/>
     <p:sldId id="267" r:id="rId4"/>
     <p:sldId id="273" r:id="rId5"/>
     <p:sldId id="274" r:id="rId6"/>
-    <p:sldId id="261" r:id="rId7"/>
-    <p:sldId id="270" r:id="rId8"/>
-    <p:sldId id="269" r:id="rId9"/>
-    <p:sldId id="275" r:id="rId10"/>
+    <p:sldId id="277" r:id="rId7"/>
+    <p:sldId id="261" r:id="rId8"/>
+    <p:sldId id="270" r:id="rId9"/>
+    <p:sldId id="269" r:id="rId10"/>
     <p:sldId id="268" r:id="rId11"/>
     <p:sldId id="271" r:id="rId12"/>
     <p:sldId id="272" r:id="rId13"/>
-    <p:sldId id="276" r:id="rId14"/>
+    <p:sldId id="275" r:id="rId14"/>
+    <p:sldId id="279" r:id="rId15"/>
+    <p:sldId id="280" r:id="rId16"/>
+    <p:sldId id="276" r:id="rId17"/>
   </p:sldIdLst>
   <p:sldSz cx="12192000" cy="6858000"/>
   <p:notesSz cx="6858000" cy="9144000"/>
   <p:custDataLst>
-    <p:tags r:id="rId17"/>
+    <p:tags r:id="rId20"/>
   </p:custDataLst>
   <p:defaultTextStyle>
     <a:defPPr>
@@ -217,7 +220,7 @@
           <a:p>
             <a:fld id="{061C5132-FFA3-4B02-9F09-22FCF40EFA74}" type="datetimeFigureOut">
               <a:rPr lang="en-US" smtClean="0"/>
-              <a:t>4/4/2015</a:t>
+              <a:t>4/6/2015</a:t>
             </a:fld>
             <a:endParaRPr lang="en-US"/>
           </a:p>
@@ -382,7 +385,7 @@
           <a:p>
             <a:fld id="{0B6E42C9-243F-4DC5-AFF6-9D56B5FA9D63}" type="datetimeFigureOut">
               <a:rPr lang="en-US" smtClean="0"/>
-              <a:t>4/4/2015</a:t>
+              <a:t>4/6/2015</a:t>
             </a:fld>
             <a:endParaRPr lang="en-US"/>
           </a:p>
@@ -978,7 +981,7 @@
           <a:p>
             <a:fld id="{B0FE2824-C2A0-4931-BB32-60B24BDBB3CC}" type="datetimeFigureOut">
               <a:rPr lang="en-US" smtClean="0"/>
-              <a:t>4/4/2015</a:t>
+              <a:t>4/6/2015</a:t>
             </a:fld>
             <a:endParaRPr lang="en-US"/>
           </a:p>
@@ -1174,7 +1177,7 @@
           <a:p>
             <a:fld id="{B0FE2824-C2A0-4931-BB32-60B24BDBB3CC}" type="datetimeFigureOut">
               <a:rPr lang="en-US" smtClean="0"/>
-              <a:t>4/4/2015</a:t>
+              <a:t>4/6/2015</a:t>
             </a:fld>
             <a:endParaRPr lang="en-US"/>
           </a:p>
@@ -1356,7 +1359,7 @@
           <a:p>
             <a:fld id="{B0FE2824-C2A0-4931-BB32-60B24BDBB3CC}" type="datetimeFigureOut">
               <a:rPr lang="en-US" smtClean="0"/>
-              <a:t>4/4/2015</a:t>
+              <a:t>4/6/2015</a:t>
             </a:fld>
             <a:endParaRPr lang="en-US"/>
           </a:p>
@@ -1891,7 +1894,7 @@
           <a:p>
             <a:fld id="{B0FE2824-C2A0-4931-BB32-60B24BDBB3CC}" type="datetimeFigureOut">
               <a:rPr lang="en-US" smtClean="0"/>
-              <a:t>4/4/2015</a:t>
+              <a:t>4/6/2015</a:t>
             </a:fld>
             <a:endParaRPr lang="en-US"/>
           </a:p>
@@ -2342,7 +2345,7 @@
           <a:p>
             <a:fld id="{B0FE2824-C2A0-4931-BB32-60B24BDBB3CC}" type="datetimeFigureOut">
               <a:rPr lang="en-US" smtClean="0"/>
-              <a:t>4/4/2015</a:t>
+              <a:t>4/6/2015</a:t>
             </a:fld>
             <a:endParaRPr lang="en-US"/>
           </a:p>
@@ -2479,7 +2482,7 @@
           <a:p>
             <a:fld id="{B0FE2824-C2A0-4931-BB32-60B24BDBB3CC}" type="datetimeFigureOut">
               <a:rPr lang="en-US" smtClean="0"/>
-              <a:t>4/4/2015</a:t>
+              <a:t>4/6/2015</a:t>
             </a:fld>
             <a:endParaRPr lang="en-US"/>
           </a:p>
@@ -2593,7 +2596,7 @@
           <a:p>
             <a:fld id="{B0FE2824-C2A0-4931-BB32-60B24BDBB3CC}" type="datetimeFigureOut">
               <a:rPr lang="en-US" smtClean="0"/>
-              <a:t>4/4/2015</a:t>
+              <a:t>4/6/2015</a:t>
             </a:fld>
             <a:endParaRPr lang="en-US"/>
           </a:p>
@@ -2896,7 +2899,7 @@
           <a:p>
             <a:fld id="{B0FE2824-C2A0-4931-BB32-60B24BDBB3CC}" type="datetimeFigureOut">
               <a:rPr lang="en-US" smtClean="0"/>
-              <a:t>4/4/2015</a:t>
+              <a:t>4/6/2015</a:t>
             </a:fld>
             <a:endParaRPr lang="en-US"/>
           </a:p>
@@ -3177,7 +3180,7 @@
           <a:p>
             <a:fld id="{B0FE2824-C2A0-4931-BB32-60B24BDBB3CC}" type="datetimeFigureOut">
               <a:rPr lang="en-US" smtClean="0"/>
-              <a:t>4/4/2015</a:t>
+              <a:t>4/6/2015</a:t>
             </a:fld>
             <a:endParaRPr lang="en-US"/>
           </a:p>
@@ -3459,7 +3462,7 @@
             <a:fld id="{B0FE2824-C2A0-4931-BB32-60B24BDBB3CC}" type="datetimeFigureOut">
               <a:rPr lang="en-US" smtClean="0"/>
               <a:pPr/>
-              <a:t>4/4/2015</a:t>
+              <a:t>4/6/2015</a:t>
             </a:fld>
             <a:endParaRPr lang="en-US"/>
           </a:p>
@@ -4159,58 +4162,230 @@
           <a:p>
             <a:r>
               <a:rPr lang="en-US" dirty="0" smtClean="0"/>
-              <a:t>Data </a:t>
-            </a:r>
-            <a:r>
-              <a:rPr lang="en-US" dirty="0" err="1" smtClean="0"/>
-              <a:t>Viz</a:t>
-            </a:r>
+              <a:t>We can predict elite members with high accuracy, and having fans is a key differentiator</a:t>
+            </a:r>
+            <a:endParaRPr lang="en-US" dirty="0"/>
+          </a:p>
+        </p:txBody>
+      </p:sp>
+      <p:pic>
+        <p:nvPicPr>
+          <p:cNvPr id="7" name="Content Placeholder 6"/>
+          <p:cNvPicPr>
+            <a:picLocks noGrp="1" noChangeAspect="1"/>
+          </p:cNvPicPr>
+          <p:nvPr>
+            <p:ph sz="half" idx="1"/>
+          </p:nvPr>
+        </p:nvPicPr>
+        <p:blipFill>
+          <a:blip r:embed="rId2">
+            <a:extLst>
+              <a:ext uri="{28A0092B-C50C-407E-A947-70E740481C1C}">
+                <a14:useLocalDpi xmlns:a14="http://schemas.microsoft.com/office/drawing/2010/main" val="0"/>
+              </a:ext>
+            </a:extLst>
+          </a:blip>
+          <a:stretch>
+            <a:fillRect/>
+          </a:stretch>
+        </p:blipFill>
+        <p:spPr>
+          <a:xfrm>
+            <a:off x="2270760" y="2375694"/>
+            <a:ext cx="2164080" cy="3251200"/>
+          </a:xfrm>
+        </p:spPr>
+      </p:pic>
+      <p:pic>
+        <p:nvPicPr>
+          <p:cNvPr id="3" name="Content Placeholder 2"/>
+          <p:cNvPicPr>
+            <a:picLocks noGrp="1" noChangeAspect="1"/>
+          </p:cNvPicPr>
+          <p:nvPr>
+            <p:ph sz="half" idx="2"/>
+          </p:nvPr>
+        </p:nvPicPr>
+        <p:blipFill>
+          <a:blip r:embed="rId3">
+            <a:extLst>
+              <a:ext uri="{28A0092B-C50C-407E-A947-70E740481C1C}">
+                <a14:useLocalDpi xmlns:a14="http://schemas.microsoft.com/office/drawing/2010/main" val="0"/>
+              </a:ext>
+            </a:extLst>
+          </a:blip>
+          <a:stretch>
+            <a:fillRect/>
+          </a:stretch>
+        </p:blipFill>
+        <p:spPr>
+          <a:xfrm>
+            <a:off x="6387541" y="2375323"/>
+            <a:ext cx="4903317" cy="3251941"/>
+          </a:xfrm>
+        </p:spPr>
+      </p:pic>
+      <p:sp>
+        <p:nvSpPr>
+          <p:cNvPr id="6" name="Rounded Rectangle 5"/>
+          <p:cNvSpPr/>
+          <p:nvPr/>
+        </p:nvSpPr>
+        <p:spPr>
+          <a:xfrm>
+            <a:off x="6667499" y="2000236"/>
+            <a:ext cx="4343400" cy="288457"/>
+          </a:xfrm>
+          <a:prstGeom prst="roundRect">
+            <a:avLst/>
+          </a:prstGeom>
+          <a:ln>
+            <a:noFill/>
+          </a:ln>
+        </p:spPr>
+        <p:style>
+          <a:lnRef idx="2">
+            <a:schemeClr val="dk1">
+              <a:shade val="50000"/>
+            </a:schemeClr>
+          </a:lnRef>
+          <a:fillRef idx="1">
+            <a:schemeClr val="dk1"/>
+          </a:fillRef>
+          <a:effectRef idx="0">
+            <a:schemeClr val="dk1"/>
+          </a:effectRef>
+          <a:fontRef idx="minor">
+            <a:schemeClr val="lt1"/>
+          </a:fontRef>
+        </p:style>
+        <p:txBody>
+          <a:bodyPr rtlCol="0" anchor="ctr"/>
+          <a:lstStyle/>
+          <a:p>
+            <a:pPr algn="ctr"/>
             <a:r>
               <a:rPr lang="en-US" dirty="0" smtClean="0"/>
-              <a:t> II: Cluster Results</a:t>
+              <a:t>Optimal # of Trees in Random Forest</a:t>
             </a:r>
             <a:endParaRPr lang="en-US" dirty="0"/>
           </a:p>
         </p:txBody>
       </p:sp>
-      <p:sp>
-        <p:nvSpPr>
-          <p:cNvPr id="2" name="Content Placeholder 1"/>
-          <p:cNvSpPr>
-            <a:spLocks noGrp="1"/>
-          </p:cNvSpPr>
-          <p:nvPr>
-            <p:ph sz="half" idx="1"/>
-          </p:nvPr>
-        </p:nvSpPr>
-        <p:spPr/>
-        <p:txBody>
-          <a:bodyPr/>
+      <p:cxnSp>
+        <p:nvCxnSpPr>
+          <p:cNvPr id="8" name="Straight Connector 7"/>
+          <p:cNvCxnSpPr/>
+          <p:nvPr/>
+        </p:nvCxnSpPr>
+        <p:spPr>
+          <a:xfrm>
+            <a:off x="3352800" y="6096000"/>
+            <a:ext cx="1328809" cy="0"/>
+          </a:xfrm>
+          <a:prstGeom prst="line">
+            <a:avLst/>
+          </a:prstGeom>
+          <a:ln w="38100">
+            <a:prstDash val="dash"/>
+          </a:ln>
+        </p:spPr>
+        <p:style>
+          <a:lnRef idx="1">
+            <a:schemeClr val="accent1"/>
+          </a:lnRef>
+          <a:fillRef idx="0">
+            <a:schemeClr val="accent1"/>
+          </a:fillRef>
+          <a:effectRef idx="0">
+            <a:schemeClr val="accent1"/>
+          </a:effectRef>
+          <a:fontRef idx="minor">
+            <a:schemeClr val="tx1"/>
+          </a:fontRef>
+        </p:style>
+      </p:cxnSp>
+      <p:sp>
+        <p:nvSpPr>
+          <p:cNvPr id="9" name="Rounded Rectangle 8"/>
+          <p:cNvSpPr/>
+          <p:nvPr/>
+        </p:nvSpPr>
+        <p:spPr>
+          <a:xfrm>
+            <a:off x="4419600" y="5791200"/>
+            <a:ext cx="3124200" cy="572502"/>
+          </a:xfrm>
+          <a:prstGeom prst="roundRect">
+            <a:avLst/>
+          </a:prstGeom>
+          <a:ln>
+            <a:noFill/>
+          </a:ln>
+        </p:spPr>
+        <p:style>
+          <a:lnRef idx="2">
+            <a:schemeClr val="dk1">
+              <a:shade val="50000"/>
+            </a:schemeClr>
+          </a:lnRef>
+          <a:fillRef idx="1">
+            <a:schemeClr val="dk1"/>
+          </a:fillRef>
+          <a:effectRef idx="0">
+            <a:schemeClr val="dk1"/>
+          </a:effectRef>
+          <a:fontRef idx="minor">
+            <a:schemeClr val="lt1"/>
+          </a:fontRef>
+        </p:style>
+        <p:txBody>
+          <a:bodyPr rtlCol="0" anchor="ctr"/>
           <a:lstStyle/>
           <a:p>
-            <a:endParaRPr lang="en-US"/>
-          </a:p>
-        </p:txBody>
-      </p:sp>
-      <p:sp>
-        <p:nvSpPr>
-          <p:cNvPr id="5" name="Content Placeholder 4"/>
-          <p:cNvSpPr>
-            <a:spLocks noGrp="1"/>
-          </p:cNvSpPr>
-          <p:nvPr>
-            <p:ph sz="half" idx="2"/>
-          </p:nvPr>
-        </p:nvSpPr>
-        <p:spPr/>
-        <p:txBody>
-          <a:bodyPr/>
-          <a:lstStyle/>
-          <a:p>
-            <a:endParaRPr lang="en-US"/>
-          </a:p>
-        </p:txBody>
-      </p:sp>
+            <a:pPr algn="ctr"/>
+            <a:r>
+              <a:rPr lang="en-US" dirty="0" smtClean="0"/>
+              <a:t>Have a ton of fans? You’re probably elite</a:t>
+            </a:r>
+            <a:endParaRPr lang="en-US" dirty="0"/>
+          </a:p>
+        </p:txBody>
+      </p:sp>
+      <p:cxnSp>
+        <p:nvCxnSpPr>
+          <p:cNvPr id="10" name="Straight Connector 9"/>
+          <p:cNvCxnSpPr/>
+          <p:nvPr/>
+        </p:nvCxnSpPr>
+        <p:spPr>
+          <a:xfrm flipV="1">
+            <a:off x="3362459" y="5626894"/>
+            <a:ext cx="0" cy="365763"/>
+          </a:xfrm>
+          <a:prstGeom prst="line">
+            <a:avLst/>
+          </a:prstGeom>
+          <a:ln w="38100">
+            <a:prstDash val="dash"/>
+          </a:ln>
+        </p:spPr>
+        <p:style>
+          <a:lnRef idx="1">
+            <a:schemeClr val="accent1"/>
+          </a:lnRef>
+          <a:fillRef idx="0">
+            <a:schemeClr val="accent1"/>
+          </a:fillRef>
+          <a:effectRef idx="0">
+            <a:schemeClr val="accent1"/>
+          </a:effectRef>
+          <a:fontRef idx="minor">
+            <a:schemeClr val="tx1"/>
+          </a:fontRef>
+        </p:style>
+      </p:cxnSp>
     </p:spTree>
     <p:extLst>
       <p:ext uri="{BB962C8B-B14F-4D97-AF65-F5344CB8AC3E}">
@@ -4270,6 +4445,1180 @@
             <p:ph type="title"/>
           </p:nvPr>
         </p:nvSpPr>
+        <p:spPr>
+          <a:xfrm>
+            <a:off x="838200" y="365126"/>
+            <a:ext cx="11125200" cy="1145224"/>
+          </a:xfrm>
+        </p:spPr>
+        <p:txBody>
+          <a:bodyPr/>
+          <a:lstStyle/>
+          <a:p>
+            <a:r>
+              <a:rPr lang="en-US" dirty="0"/>
+              <a:t>F</a:t>
+            </a:r>
+            <a:r>
+              <a:rPr lang="en-US" dirty="0" smtClean="0"/>
+              <a:t>urther parsing was done to understand if different types of user compliments matter in driving fans</a:t>
+            </a:r>
+            <a:endParaRPr lang="en-US" dirty="0"/>
+          </a:p>
+        </p:txBody>
+      </p:sp>
+      <p:pic>
+        <p:nvPicPr>
+          <p:cNvPr id="1026" name="Picture 2" descr="http://yelp.typepad.com/.a/6a00d83452b44469e2017d41630e95970c-pi"/>
+          <p:cNvPicPr>
+            <a:picLocks noChangeAspect="1" noChangeArrowheads="1"/>
+          </p:cNvPicPr>
+          <p:nvPr/>
+        </p:nvPicPr>
+        <p:blipFill>
+          <a:blip r:embed="rId2">
+            <a:extLst>
+              <a:ext uri="{28A0092B-C50C-407E-A947-70E740481C1C}">
+                <a14:useLocalDpi xmlns:a14="http://schemas.microsoft.com/office/drawing/2010/main" val="0"/>
+              </a:ext>
+            </a:extLst>
+          </a:blip>
+          <a:srcRect/>
+          <a:stretch>
+            <a:fillRect/>
+          </a:stretch>
+        </p:blipFill>
+        <p:spPr bwMode="auto">
+          <a:xfrm>
+            <a:off x="1219200" y="1828800"/>
+            <a:ext cx="9353550" cy="4495800"/>
+          </a:xfrm>
+          <a:prstGeom prst="rect">
+            <a:avLst/>
+          </a:prstGeom>
+          <a:noFill/>
+          <a:extLst>
+            <a:ext uri="{909E8E84-426E-40DD-AFC4-6F175D3DCCD1}">
+              <a14:hiddenFill xmlns:a14="http://schemas.microsoft.com/office/drawing/2010/main">
+                <a:solidFill>
+                  <a:srgbClr val="FFFFFF"/>
+                </a:solidFill>
+              </a14:hiddenFill>
+            </a:ext>
+          </a:extLst>
+        </p:spPr>
+      </p:pic>
+    </p:spTree>
+    <p:extLst>
+      <p:ext uri="{BB962C8B-B14F-4D97-AF65-F5344CB8AC3E}">
+        <p14:creationId xmlns:p14="http://schemas.microsoft.com/office/powerpoint/2010/main" val="2617733160"/>
+      </p:ext>
+    </p:extLst>
+  </p:cSld>
+  <p:clrMapOvr>
+    <a:masterClrMapping/>
+  </p:clrMapOvr>
+  <mc:AlternateContent xmlns:mc="http://schemas.openxmlformats.org/markup-compatibility/2006" xmlns:p14="http://schemas.microsoft.com/office/powerpoint/2010/main">
+    <mc:Choice Requires="p14">
+      <p:transition spd="med" p14:dur="700">
+        <p:fade/>
+      </p:transition>
+    </mc:Choice>
+    <mc:Fallback xmlns="">
+      <p:transition spd="med">
+        <p:fade/>
+      </p:transition>
+    </mc:Fallback>
+  </mc:AlternateContent>
+  <p:timing>
+    <p:tnLst>
+      <p:par>
+        <p:cTn id="1" dur="indefinite" restart="never" nodeType="tmRoot"/>
+      </p:par>
+    </p:tnLst>
+  </p:timing>
+</p:sld>
+</file>
+
+<file path=ppt/slides/slide13.xml><?xml version="1.0" encoding="utf-8"?>
+<p:sld xmlns:a="http://schemas.openxmlformats.org/drawingml/2006/main" xmlns:r="http://schemas.openxmlformats.org/officeDocument/2006/relationships" xmlns:p="http://schemas.openxmlformats.org/presentationml/2006/main">
+  <p:cSld>
+    <p:spTree>
+      <p:nvGrpSpPr>
+        <p:cNvPr id="1" name=""/>
+        <p:cNvGrpSpPr/>
+        <p:nvPr/>
+      </p:nvGrpSpPr>
+      <p:grpSpPr>
+        <a:xfrm>
+          <a:off x="0" y="0"/>
+          <a:ext cx="0" cy="0"/>
+          <a:chOff x="0" y="0"/>
+          <a:chExt cx="0" cy="0"/>
+        </a:xfrm>
+      </p:grpSpPr>
+      <p:sp>
+        <p:nvSpPr>
+          <p:cNvPr id="4" name="Title 3"/>
+          <p:cNvSpPr>
+            <a:spLocks noGrp="1"/>
+          </p:cNvSpPr>
+          <p:nvPr>
+            <p:ph type="title"/>
+          </p:nvPr>
+        </p:nvSpPr>
+        <p:spPr/>
+        <p:txBody>
+          <a:bodyPr/>
+          <a:lstStyle/>
+          <a:p>
+            <a:r>
+              <a:rPr lang="en-US" dirty="0" smtClean="0"/>
+              <a:t>So, what compliments separate an “everyday” elite from an elite with a full-time fan pose?</a:t>
+            </a:r>
+            <a:endParaRPr lang="en-US" dirty="0"/>
+          </a:p>
+        </p:txBody>
+      </p:sp>
+      <p:graphicFrame>
+        <p:nvGraphicFramePr>
+          <p:cNvPr id="6" name="Content Placeholder 5"/>
+          <p:cNvGraphicFramePr>
+            <a:graphicFrameLocks noGrp="1"/>
+          </p:cNvGraphicFramePr>
+          <p:nvPr>
+            <p:ph sz="half" idx="1"/>
+            <p:extLst>
+              <p:ext uri="{D42A27DB-BD31-4B8C-83A1-F6EECF244321}">
+                <p14:modId xmlns:p14="http://schemas.microsoft.com/office/powerpoint/2010/main" val="4178020424"/>
+              </p:ext>
+            </p:extLst>
+          </p:nvPr>
+        </p:nvGraphicFramePr>
+        <p:xfrm>
+          <a:off x="838200" y="1825624"/>
+          <a:ext cx="5029200" cy="4041775"/>
+        </p:xfrm>
+        <a:graphic>
+          <a:graphicData uri="http://schemas.openxmlformats.org/drawingml/2006/table">
+            <a:tbl>
+              <a:tblPr firstRow="1" bandRow="1">
+                <a:tableStyleId>{3B4B98B0-60AC-42C2-AFA5-B58CD77FA1E5}</a:tableStyleId>
+              </a:tblPr>
+              <a:tblGrid>
+                <a:gridCol w="2514600"/>
+                <a:gridCol w="2514600"/>
+              </a:tblGrid>
+              <a:tr h="808355">
+                <a:tc>
+                  <a:txBody>
+                    <a:bodyPr/>
+                    <a:lstStyle/>
+                    <a:p>
+                      <a:pPr marL="0" algn="ctr" defTabSz="914400" rtl="0" eaLnBrk="1" latinLnBrk="0" hangingPunct="1"/>
+                      <a:r>
+                        <a:rPr lang="en-US" sz="1800" b="0" kern="1200" dirty="0" smtClean="0">
+                          <a:solidFill>
+                            <a:schemeClr val="tx1"/>
+                          </a:solidFill>
+                          <a:latin typeface="+mn-lt"/>
+                          <a:ea typeface="+mn-ea"/>
+                          <a:cs typeface="+mn-cs"/>
+                        </a:rPr>
+                        <a:t>Being Cool</a:t>
+                      </a:r>
+                      <a:endParaRPr lang="en-US" sz="1800" b="0" kern="1200" dirty="0">
+                        <a:solidFill>
+                          <a:schemeClr val="tx1"/>
+                        </a:solidFill>
+                        <a:latin typeface="+mn-lt"/>
+                        <a:ea typeface="+mn-ea"/>
+                        <a:cs typeface="+mn-cs"/>
+                      </a:endParaRPr>
+                    </a:p>
+                  </a:txBody>
+                  <a:tcPr anchor="ctr"/>
+                </a:tc>
+                <a:tc>
+                  <a:txBody>
+                    <a:bodyPr/>
+                    <a:lstStyle/>
+                    <a:p>
+                      <a:pPr marL="0" algn="ctr" defTabSz="914400" rtl="0" eaLnBrk="1" latinLnBrk="0" hangingPunct="1"/>
+                      <a:r>
+                        <a:rPr lang="en-US" sz="1800" b="0" kern="1200" dirty="0" smtClean="0">
+                          <a:solidFill>
+                            <a:schemeClr val="tx1"/>
+                          </a:solidFill>
+                          <a:latin typeface="+mn-lt"/>
+                          <a:ea typeface="+mn-ea"/>
+                          <a:cs typeface="+mn-cs"/>
+                        </a:rPr>
+                        <a:t>Being asked to write more</a:t>
+                      </a:r>
+                      <a:endParaRPr lang="en-US" sz="1800" b="0" kern="1200" dirty="0">
+                        <a:solidFill>
+                          <a:schemeClr val="tx1"/>
+                        </a:solidFill>
+                        <a:latin typeface="+mn-lt"/>
+                        <a:ea typeface="+mn-ea"/>
+                        <a:cs typeface="+mn-cs"/>
+                      </a:endParaRPr>
+                    </a:p>
+                  </a:txBody>
+                  <a:tcPr anchor="ctr"/>
+                </a:tc>
+              </a:tr>
+              <a:tr h="808355">
+                <a:tc>
+                  <a:txBody>
+                    <a:bodyPr/>
+                    <a:lstStyle/>
+                    <a:p>
+                      <a:pPr algn="ctr"/>
+                      <a:r>
+                        <a:rPr lang="en-US" dirty="0" smtClean="0"/>
+                        <a:t>Customized</a:t>
+                      </a:r>
+                      <a:r>
+                        <a:rPr lang="en-US" baseline="0" dirty="0" smtClean="0"/>
+                        <a:t> compliments</a:t>
+                      </a:r>
+                      <a:endParaRPr lang="en-US" dirty="0"/>
+                    </a:p>
+                  </a:txBody>
+                  <a:tcPr anchor="ctr"/>
+                </a:tc>
+                <a:tc>
+                  <a:txBody>
+                    <a:bodyPr/>
+                    <a:lstStyle/>
+                    <a:p>
+                      <a:pPr algn="ctr"/>
+                      <a:r>
+                        <a:rPr lang="en-US" dirty="0" smtClean="0"/>
+                        <a:t>Taking great pictures</a:t>
+                      </a:r>
+                      <a:endParaRPr lang="en-US" dirty="0"/>
+                    </a:p>
+                  </a:txBody>
+                  <a:tcPr anchor="ctr"/>
+                </a:tc>
+              </a:tr>
+              <a:tr h="808355">
+                <a:tc>
+                  <a:txBody>
+                    <a:bodyPr/>
+                    <a:lstStyle/>
+                    <a:p>
+                      <a:pPr algn="ctr"/>
+                      <a:r>
+                        <a:rPr lang="en-US" dirty="0" smtClean="0"/>
+                        <a:t>Being Funny</a:t>
+                      </a:r>
+                      <a:endParaRPr lang="en-US" dirty="0"/>
+                    </a:p>
+                  </a:txBody>
+                  <a:tcPr anchor="ctr"/>
+                </a:tc>
+                <a:tc>
+                  <a:txBody>
+                    <a:bodyPr/>
+                    <a:lstStyle/>
+                    <a:p>
+                      <a:pPr algn="ctr"/>
+                      <a:r>
+                        <a:rPr lang="en-US" dirty="0" smtClean="0"/>
+                        <a:t>Having a cute picture</a:t>
+                      </a:r>
+                      <a:endParaRPr lang="en-US" dirty="0"/>
+                    </a:p>
+                  </a:txBody>
+                  <a:tcPr anchor="ctr"/>
+                </a:tc>
+              </a:tr>
+              <a:tr h="808355">
+                <a:tc>
+                  <a:txBody>
+                    <a:bodyPr/>
+                    <a:lstStyle/>
+                    <a:p>
+                      <a:pPr algn="ctr"/>
+                      <a:r>
+                        <a:rPr lang="en-US" dirty="0" smtClean="0"/>
+                        <a:t>Hot Stuff</a:t>
+                      </a:r>
+                      <a:endParaRPr lang="en-US" dirty="0"/>
+                    </a:p>
+                  </a:txBody>
+                  <a:tcPr anchor="ctr"/>
+                </a:tc>
+                <a:tc>
+                  <a:txBody>
+                    <a:bodyPr/>
+                    <a:lstStyle/>
+                    <a:p>
+                      <a:pPr algn="ctr"/>
+                      <a:r>
+                        <a:rPr lang="en-US" dirty="0" smtClean="0"/>
+                        <a:t>Generally good profile</a:t>
+                      </a:r>
+                      <a:endParaRPr lang="en-US" dirty="0"/>
+                    </a:p>
+                  </a:txBody>
+                  <a:tcPr anchor="ctr"/>
+                </a:tc>
+              </a:tr>
+              <a:tr h="808355">
+                <a:tc>
+                  <a:txBody>
+                    <a:bodyPr/>
+                    <a:lstStyle/>
+                    <a:p>
+                      <a:pPr algn="ctr"/>
+                      <a:r>
+                        <a:rPr lang="en-US" dirty="0" smtClean="0"/>
+                        <a:t>Making great lists</a:t>
+                      </a:r>
+                      <a:endParaRPr lang="en-US" dirty="0"/>
+                    </a:p>
+                  </a:txBody>
+                  <a:tcPr anchor="ctr"/>
+                </a:tc>
+                <a:tc>
+                  <a:txBody>
+                    <a:bodyPr/>
+                    <a:lstStyle/>
+                    <a:p>
+                      <a:pPr algn="ctr"/>
+                      <a:endParaRPr lang="en-US" dirty="0"/>
+                    </a:p>
+                  </a:txBody>
+                  <a:tcPr anchor="ctr"/>
+                </a:tc>
+              </a:tr>
+            </a:tbl>
+          </a:graphicData>
+        </a:graphic>
+      </p:graphicFrame>
+      <p:pic>
+        <p:nvPicPr>
+          <p:cNvPr id="5" name="Content Placeholder 4"/>
+          <p:cNvPicPr>
+            <a:picLocks noGrp="1" noChangeAspect="1"/>
+          </p:cNvPicPr>
+          <p:nvPr>
+            <p:ph sz="half" idx="2"/>
+          </p:nvPr>
+        </p:nvPicPr>
+        <p:blipFill>
+          <a:blip r:embed="rId2">
+            <a:extLst>
+              <a:ext uri="{28A0092B-C50C-407E-A947-70E740481C1C}">
+                <a14:useLocalDpi xmlns:a14="http://schemas.microsoft.com/office/drawing/2010/main" val="0"/>
+              </a:ext>
+            </a:extLst>
+          </a:blip>
+          <a:stretch>
+            <a:fillRect/>
+          </a:stretch>
+        </p:blipFill>
+        <p:spPr>
+          <a:xfrm>
+            <a:off x="7315200" y="2858294"/>
+            <a:ext cx="3048000" cy="2286000"/>
+          </a:xfrm>
+        </p:spPr>
+      </p:pic>
+      <p:sp>
+        <p:nvSpPr>
+          <p:cNvPr id="9" name="Rounded Rectangle 8"/>
+          <p:cNvSpPr/>
+          <p:nvPr/>
+        </p:nvSpPr>
+        <p:spPr>
+          <a:xfrm>
+            <a:off x="8343900" y="5531522"/>
+            <a:ext cx="3124200" cy="572502"/>
+          </a:xfrm>
+          <a:prstGeom prst="roundRect">
+            <a:avLst/>
+          </a:prstGeom>
+          <a:ln>
+            <a:noFill/>
+          </a:ln>
+        </p:spPr>
+        <p:style>
+          <a:lnRef idx="2">
+            <a:schemeClr val="dk1">
+              <a:shade val="50000"/>
+            </a:schemeClr>
+          </a:lnRef>
+          <a:fillRef idx="1">
+            <a:schemeClr val="dk1"/>
+          </a:fillRef>
+          <a:effectRef idx="0">
+            <a:schemeClr val="dk1"/>
+          </a:effectRef>
+          <a:fontRef idx="minor">
+            <a:schemeClr val="lt1"/>
+          </a:fontRef>
+        </p:style>
+        <p:txBody>
+          <a:bodyPr rtlCol="0" anchor="ctr"/>
+          <a:lstStyle/>
+          <a:p>
+            <a:pPr algn="ctr"/>
+            <a:r>
+              <a:rPr lang="en-US" dirty="0" smtClean="0"/>
+              <a:t>But, what makes you famous?</a:t>
+            </a:r>
+            <a:endParaRPr lang="en-US" dirty="0"/>
+          </a:p>
+        </p:txBody>
+      </p:sp>
+      <p:cxnSp>
+        <p:nvCxnSpPr>
+          <p:cNvPr id="10" name="Straight Connector 9"/>
+          <p:cNvCxnSpPr/>
+          <p:nvPr/>
+        </p:nvCxnSpPr>
+        <p:spPr>
+          <a:xfrm flipV="1">
+            <a:off x="9906000" y="5144294"/>
+            <a:ext cx="0" cy="365763"/>
+          </a:xfrm>
+          <a:prstGeom prst="line">
+            <a:avLst/>
+          </a:prstGeom>
+          <a:ln w="38100">
+            <a:prstDash val="dash"/>
+          </a:ln>
+        </p:spPr>
+        <p:style>
+          <a:lnRef idx="1">
+            <a:schemeClr val="accent1"/>
+          </a:lnRef>
+          <a:fillRef idx="0">
+            <a:schemeClr val="accent1"/>
+          </a:fillRef>
+          <a:effectRef idx="0">
+            <a:schemeClr val="accent1"/>
+          </a:effectRef>
+          <a:fontRef idx="minor">
+            <a:schemeClr val="tx1"/>
+          </a:fontRef>
+        </p:style>
+      </p:cxnSp>
+    </p:spTree>
+    <p:extLst>
+      <p:ext uri="{BB962C8B-B14F-4D97-AF65-F5344CB8AC3E}">
+        <p14:creationId xmlns:p14="http://schemas.microsoft.com/office/powerpoint/2010/main" val="3459872743"/>
+      </p:ext>
+    </p:extLst>
+  </p:cSld>
+  <p:clrMapOvr>
+    <a:masterClrMapping/>
+  </p:clrMapOvr>
+  <mc:AlternateContent xmlns:mc="http://schemas.openxmlformats.org/markup-compatibility/2006" xmlns:p14="http://schemas.microsoft.com/office/powerpoint/2010/main">
+    <mc:Choice Requires="p14">
+      <p:transition spd="med" p14:dur="700">
+        <p:fade/>
+      </p:transition>
+    </mc:Choice>
+    <mc:Fallback xmlns="">
+      <p:transition spd="med">
+        <p:fade/>
+      </p:transition>
+    </mc:Fallback>
+  </mc:AlternateContent>
+  <p:timing>
+    <p:tnLst>
+      <p:par>
+        <p:cTn id="1" dur="indefinite" restart="never" nodeType="tmRoot"/>
+      </p:par>
+    </p:tnLst>
+  </p:timing>
+</p:sld>
+</file>
+
+<file path=ppt/slides/slide14.xml><?xml version="1.0" encoding="utf-8"?>
+<p:sld xmlns:a="http://schemas.openxmlformats.org/drawingml/2006/main" xmlns:r="http://schemas.openxmlformats.org/officeDocument/2006/relationships" xmlns:p="http://schemas.openxmlformats.org/presentationml/2006/main">
+  <p:cSld>
+    <p:spTree>
+      <p:nvGrpSpPr>
+        <p:cNvPr id="1" name=""/>
+        <p:cNvGrpSpPr/>
+        <p:nvPr/>
+      </p:nvGrpSpPr>
+      <p:grpSpPr>
+        <a:xfrm>
+          <a:off x="0" y="0"/>
+          <a:ext cx="0" cy="0"/>
+          <a:chOff x="0" y="0"/>
+          <a:chExt cx="0" cy="0"/>
+        </a:xfrm>
+      </p:grpSpPr>
+      <p:sp>
+        <p:nvSpPr>
+          <p:cNvPr id="4" name="Title 3"/>
+          <p:cNvSpPr>
+            <a:spLocks noGrp="1"/>
+          </p:cNvSpPr>
+          <p:nvPr>
+            <p:ph type="title"/>
+          </p:nvPr>
+        </p:nvSpPr>
+        <p:spPr/>
+        <p:txBody>
+          <a:bodyPr/>
+          <a:lstStyle/>
+          <a:p>
+            <a:r>
+              <a:rPr lang="en-US" dirty="0" smtClean="0"/>
+              <a:t>So, what compliments separate an “everyday” elite from an elite with a full-time fan pose?</a:t>
+            </a:r>
+            <a:endParaRPr lang="en-US" dirty="0"/>
+          </a:p>
+        </p:txBody>
+      </p:sp>
+      <p:graphicFrame>
+        <p:nvGraphicFramePr>
+          <p:cNvPr id="6" name="Content Placeholder 5"/>
+          <p:cNvGraphicFramePr>
+            <a:graphicFrameLocks noGrp="1"/>
+          </p:cNvGraphicFramePr>
+          <p:nvPr>
+            <p:ph sz="half" idx="1"/>
+            <p:extLst>
+              <p:ext uri="{D42A27DB-BD31-4B8C-83A1-F6EECF244321}">
+                <p14:modId xmlns:p14="http://schemas.microsoft.com/office/powerpoint/2010/main" val="3171483131"/>
+              </p:ext>
+            </p:extLst>
+          </p:nvPr>
+        </p:nvGraphicFramePr>
+        <p:xfrm>
+          <a:off x="838200" y="1825624"/>
+          <a:ext cx="5029200" cy="4041775"/>
+        </p:xfrm>
+        <a:graphic>
+          <a:graphicData uri="http://schemas.openxmlformats.org/drawingml/2006/table">
+            <a:tbl>
+              <a:tblPr firstRow="1" bandRow="1">
+                <a:tableStyleId>{3B4B98B0-60AC-42C2-AFA5-B58CD77FA1E5}</a:tableStyleId>
+              </a:tblPr>
+              <a:tblGrid>
+                <a:gridCol w="2514600"/>
+                <a:gridCol w="2514600"/>
+              </a:tblGrid>
+              <a:tr h="808355">
+                <a:tc>
+                  <a:txBody>
+                    <a:bodyPr/>
+                    <a:lstStyle/>
+                    <a:p>
+                      <a:pPr marL="0" algn="ctr" defTabSz="914400" rtl="0" eaLnBrk="1" latinLnBrk="0" hangingPunct="1"/>
+                      <a:r>
+                        <a:rPr lang="en-US" sz="800" kern="1200" dirty="0" smtClean="0">
+                          <a:solidFill>
+                            <a:schemeClr val="tx1"/>
+                          </a:solidFill>
+                          <a:latin typeface="+mn-lt"/>
+                          <a:ea typeface="+mn-ea"/>
+                          <a:cs typeface="+mn-cs"/>
+                        </a:rPr>
+                        <a:t>Being Cool</a:t>
+                      </a:r>
+                      <a:endParaRPr lang="en-US" sz="800" kern="1200" dirty="0">
+                        <a:solidFill>
+                          <a:schemeClr val="tx1"/>
+                        </a:solidFill>
+                        <a:latin typeface="+mn-lt"/>
+                        <a:ea typeface="+mn-ea"/>
+                        <a:cs typeface="+mn-cs"/>
+                      </a:endParaRPr>
+                    </a:p>
+                  </a:txBody>
+                  <a:tcPr anchor="ctr">
+                    <a:lnL w="38100" cap="flat" cmpd="sng" algn="ctr">
+                      <a:solidFill>
+                        <a:schemeClr val="accent5">
+                          <a:lumMod val="60000"/>
+                          <a:lumOff val="40000"/>
+                        </a:schemeClr>
+                      </a:solidFill>
+                      <a:prstDash val="solid"/>
+                      <a:round/>
+                      <a:headEnd type="none" w="med" len="med"/>
+                      <a:tailEnd type="none" w="med" len="med"/>
+                    </a:lnL>
+                    <a:lnR w="38100" cap="flat" cmpd="sng" algn="ctr">
+                      <a:solidFill>
+                        <a:schemeClr val="accent1">
+                          <a:lumMod val="60000"/>
+                          <a:lumOff val="40000"/>
+                        </a:schemeClr>
+                      </a:solidFill>
+                      <a:prstDash val="solid"/>
+                      <a:round/>
+                      <a:headEnd type="none" w="med" len="med"/>
+                      <a:tailEnd type="none" w="med" len="med"/>
+                    </a:lnR>
+                    <a:lnT w="38100" cap="flat" cmpd="sng" algn="ctr">
+                      <a:solidFill>
+                        <a:schemeClr val="accent5">
+                          <a:lumMod val="60000"/>
+                          <a:lumOff val="40000"/>
+                        </a:schemeClr>
+                      </a:solidFill>
+                      <a:prstDash val="solid"/>
+                      <a:round/>
+                      <a:headEnd type="none" w="med" len="med"/>
+                      <a:tailEnd type="none" w="med" len="med"/>
+                    </a:lnT>
+                    <a:lnB w="38100" cap="flat" cmpd="sng" algn="ctr">
+                      <a:solidFill>
+                        <a:schemeClr val="accent5">
+                          <a:lumMod val="60000"/>
+                          <a:lumOff val="40000"/>
+                        </a:schemeClr>
+                      </a:solidFill>
+                      <a:prstDash val="solid"/>
+                      <a:round/>
+                      <a:headEnd type="none" w="med" len="med"/>
+                      <a:tailEnd type="none" w="med" len="med"/>
+                    </a:lnB>
+                  </a:tcPr>
+                </a:tc>
+                <a:tc>
+                  <a:txBody>
+                    <a:bodyPr/>
+                    <a:lstStyle/>
+                    <a:p>
+                      <a:pPr marL="0" algn="ctr" defTabSz="914400" rtl="0" eaLnBrk="1" latinLnBrk="0" hangingPunct="1"/>
+                      <a:r>
+                        <a:rPr lang="en-US" sz="1800" b="0" kern="1200" dirty="0" smtClean="0">
+                          <a:solidFill>
+                            <a:schemeClr val="tx1"/>
+                          </a:solidFill>
+                          <a:latin typeface="+mn-lt"/>
+                          <a:ea typeface="+mn-ea"/>
+                          <a:cs typeface="+mn-cs"/>
+                        </a:rPr>
+                        <a:t>Being asked to write more</a:t>
+                      </a:r>
+                      <a:endParaRPr lang="en-US" sz="1800" b="0" kern="1200" dirty="0">
+                        <a:solidFill>
+                          <a:schemeClr val="tx1"/>
+                        </a:solidFill>
+                        <a:latin typeface="+mn-lt"/>
+                        <a:ea typeface="+mn-ea"/>
+                        <a:cs typeface="+mn-cs"/>
+                      </a:endParaRPr>
+                    </a:p>
+                  </a:txBody>
+                  <a:tcPr anchor="ctr">
+                    <a:lnL w="38100" cap="flat" cmpd="sng" algn="ctr">
+                      <a:solidFill>
+                        <a:schemeClr val="accent1">
+                          <a:lumMod val="60000"/>
+                          <a:lumOff val="40000"/>
+                        </a:schemeClr>
+                      </a:solidFill>
+                      <a:prstDash val="solid"/>
+                      <a:round/>
+                      <a:headEnd type="none" w="med" len="med"/>
+                      <a:tailEnd type="none" w="med" len="med"/>
+                    </a:lnL>
+                    <a:lnR w="38100" cap="flat" cmpd="sng" algn="ctr">
+                      <a:solidFill>
+                        <a:schemeClr val="accent1">
+                          <a:lumMod val="60000"/>
+                          <a:lumOff val="40000"/>
+                        </a:schemeClr>
+                      </a:solidFill>
+                      <a:prstDash val="solid"/>
+                      <a:round/>
+                      <a:headEnd type="none" w="med" len="med"/>
+                      <a:tailEnd type="none" w="med" len="med"/>
+                    </a:lnR>
+                    <a:lnT w="38100" cap="flat" cmpd="sng" algn="ctr">
+                      <a:solidFill>
+                        <a:schemeClr val="accent1">
+                          <a:lumMod val="60000"/>
+                          <a:lumOff val="40000"/>
+                        </a:schemeClr>
+                      </a:solidFill>
+                      <a:prstDash val="solid"/>
+                      <a:round/>
+                      <a:headEnd type="none" w="med" len="med"/>
+                      <a:tailEnd type="none" w="med" len="med"/>
+                    </a:lnT>
+                    <a:lnB w="38100" cap="flat" cmpd="sng" algn="ctr">
+                      <a:solidFill>
+                        <a:schemeClr val="accent1">
+                          <a:lumMod val="60000"/>
+                          <a:lumOff val="40000"/>
+                        </a:schemeClr>
+                      </a:solidFill>
+                      <a:prstDash val="solid"/>
+                      <a:round/>
+                      <a:headEnd type="none" w="med" len="med"/>
+                      <a:tailEnd type="none" w="med" len="med"/>
+                    </a:lnB>
+                  </a:tcPr>
+                </a:tc>
+              </a:tr>
+              <a:tr h="808355">
+                <a:tc>
+                  <a:txBody>
+                    <a:bodyPr/>
+                    <a:lstStyle/>
+                    <a:p>
+                      <a:pPr algn="ctr"/>
+                      <a:r>
+                        <a:rPr lang="en-US" sz="1400" dirty="0" smtClean="0"/>
+                        <a:t>Customized</a:t>
+                      </a:r>
+                      <a:r>
+                        <a:rPr lang="en-US" sz="1400" baseline="0" dirty="0" smtClean="0"/>
+                        <a:t> compliments</a:t>
+                      </a:r>
+                      <a:endParaRPr lang="en-US" sz="1400" dirty="0"/>
+                    </a:p>
+                  </a:txBody>
+                  <a:tcPr anchor="ctr">
+                    <a:lnR w="38100" cap="flat" cmpd="sng" algn="ctr">
+                      <a:solidFill>
+                        <a:schemeClr val="accent5">
+                          <a:lumMod val="60000"/>
+                          <a:lumOff val="40000"/>
+                        </a:schemeClr>
+                      </a:solidFill>
+                      <a:prstDash val="solid"/>
+                      <a:round/>
+                      <a:headEnd type="none" w="med" len="med"/>
+                      <a:tailEnd type="none" w="med" len="med"/>
+                    </a:lnR>
+                    <a:lnT w="38100" cap="flat" cmpd="sng" algn="ctr">
+                      <a:solidFill>
+                        <a:schemeClr val="accent5">
+                          <a:lumMod val="60000"/>
+                          <a:lumOff val="40000"/>
+                        </a:schemeClr>
+                      </a:solidFill>
+                      <a:prstDash val="solid"/>
+                      <a:round/>
+                      <a:headEnd type="none" w="med" len="med"/>
+                      <a:tailEnd type="none" w="med" len="med"/>
+                    </a:lnT>
+                    <a:lnB w="38100" cap="flat" cmpd="sng" algn="ctr">
+                      <a:solidFill>
+                        <a:schemeClr val="accent1">
+                          <a:lumMod val="75000"/>
+                        </a:schemeClr>
+                      </a:solidFill>
+                      <a:prstDash val="solid"/>
+                      <a:round/>
+                      <a:headEnd type="none" w="med" len="med"/>
+                      <a:tailEnd type="none" w="med" len="med"/>
+                    </a:lnB>
+                  </a:tcPr>
+                </a:tc>
+                <a:tc>
+                  <a:txBody>
+                    <a:bodyPr/>
+                    <a:lstStyle/>
+                    <a:p>
+                      <a:pPr algn="ctr"/>
+                      <a:r>
+                        <a:rPr lang="en-US" sz="900" dirty="0" smtClean="0"/>
+                        <a:t>Taking great pictures</a:t>
+                      </a:r>
+                      <a:endParaRPr lang="en-US" sz="900" dirty="0"/>
+                    </a:p>
+                  </a:txBody>
+                  <a:tcPr anchor="ctr">
+                    <a:lnL w="38100" cap="flat" cmpd="sng" algn="ctr">
+                      <a:solidFill>
+                        <a:schemeClr val="accent5">
+                          <a:lumMod val="60000"/>
+                          <a:lumOff val="40000"/>
+                        </a:schemeClr>
+                      </a:solidFill>
+                      <a:prstDash val="solid"/>
+                      <a:round/>
+                      <a:headEnd type="none" w="med" len="med"/>
+                      <a:tailEnd type="none" w="med" len="med"/>
+                    </a:lnL>
+                    <a:lnR w="38100" cap="flat" cmpd="sng" algn="ctr">
+                      <a:solidFill>
+                        <a:schemeClr val="accent5">
+                          <a:lumMod val="60000"/>
+                          <a:lumOff val="40000"/>
+                        </a:schemeClr>
+                      </a:solidFill>
+                      <a:prstDash val="solid"/>
+                      <a:round/>
+                      <a:headEnd type="none" w="med" len="med"/>
+                      <a:tailEnd type="none" w="med" len="med"/>
+                    </a:lnR>
+                    <a:lnT w="38100" cap="flat" cmpd="sng" algn="ctr">
+                      <a:solidFill>
+                        <a:schemeClr val="accent1">
+                          <a:lumMod val="60000"/>
+                          <a:lumOff val="40000"/>
+                        </a:schemeClr>
+                      </a:solidFill>
+                      <a:prstDash val="solid"/>
+                      <a:round/>
+                      <a:headEnd type="none" w="med" len="med"/>
+                      <a:tailEnd type="none" w="med" len="med"/>
+                    </a:lnT>
+                    <a:lnB w="38100" cap="flat" cmpd="sng" algn="ctr">
+                      <a:solidFill>
+                        <a:schemeClr val="accent5">
+                          <a:lumMod val="60000"/>
+                          <a:lumOff val="40000"/>
+                        </a:schemeClr>
+                      </a:solidFill>
+                      <a:prstDash val="solid"/>
+                      <a:round/>
+                      <a:headEnd type="none" w="med" len="med"/>
+                      <a:tailEnd type="none" w="med" len="med"/>
+                    </a:lnB>
+                  </a:tcPr>
+                </a:tc>
+              </a:tr>
+              <a:tr h="808355">
+                <a:tc>
+                  <a:txBody>
+                    <a:bodyPr/>
+                    <a:lstStyle/>
+                    <a:p>
+                      <a:pPr algn="ctr"/>
+                      <a:r>
+                        <a:rPr lang="en-US" sz="2400" b="1" dirty="0" smtClean="0"/>
+                        <a:t>Being Funny</a:t>
+                      </a:r>
+                      <a:endParaRPr lang="en-US" sz="2400" b="1" dirty="0"/>
+                    </a:p>
+                  </a:txBody>
+                  <a:tcPr anchor="ctr">
+                    <a:lnL w="38100" cap="flat" cmpd="sng" algn="ctr">
+                      <a:solidFill>
+                        <a:schemeClr val="accent1">
+                          <a:lumMod val="75000"/>
+                        </a:schemeClr>
+                      </a:solidFill>
+                      <a:prstDash val="solid"/>
+                      <a:round/>
+                      <a:headEnd type="none" w="med" len="med"/>
+                      <a:tailEnd type="none" w="med" len="med"/>
+                    </a:lnL>
+                    <a:lnR w="38100" cap="flat" cmpd="sng" algn="ctr">
+                      <a:solidFill>
+                        <a:schemeClr val="accent1">
+                          <a:lumMod val="75000"/>
+                        </a:schemeClr>
+                      </a:solidFill>
+                      <a:prstDash val="solid"/>
+                      <a:round/>
+                      <a:headEnd type="none" w="med" len="med"/>
+                      <a:tailEnd type="none" w="med" len="med"/>
+                    </a:lnR>
+                    <a:lnT w="38100" cap="flat" cmpd="sng" algn="ctr">
+                      <a:solidFill>
+                        <a:schemeClr val="accent1">
+                          <a:lumMod val="75000"/>
+                        </a:schemeClr>
+                      </a:solidFill>
+                      <a:prstDash val="solid"/>
+                      <a:round/>
+                      <a:headEnd type="none" w="med" len="med"/>
+                      <a:tailEnd type="none" w="med" len="med"/>
+                    </a:lnT>
+                    <a:lnB w="38100" cap="flat" cmpd="sng" algn="ctr">
+                      <a:solidFill>
+                        <a:schemeClr val="accent1">
+                          <a:lumMod val="60000"/>
+                          <a:lumOff val="40000"/>
+                        </a:schemeClr>
+                      </a:solidFill>
+                      <a:prstDash val="solid"/>
+                      <a:round/>
+                      <a:headEnd type="none" w="med" len="med"/>
+                      <a:tailEnd type="none" w="med" len="med"/>
+                    </a:lnB>
+                  </a:tcPr>
+                </a:tc>
+                <a:tc>
+                  <a:txBody>
+                    <a:bodyPr/>
+                    <a:lstStyle/>
+                    <a:p>
+                      <a:pPr algn="ctr"/>
+                      <a:r>
+                        <a:rPr lang="en-US" sz="1600" dirty="0" smtClean="0"/>
+                        <a:t>Having a cute picture</a:t>
+                      </a:r>
+                      <a:endParaRPr lang="en-US" sz="1600" dirty="0"/>
+                    </a:p>
+                  </a:txBody>
+                  <a:tcPr anchor="ctr">
+                    <a:lnL w="38100" cap="flat" cmpd="sng" algn="ctr">
+                      <a:solidFill>
+                        <a:schemeClr val="accent1">
+                          <a:lumMod val="75000"/>
+                        </a:schemeClr>
+                      </a:solidFill>
+                      <a:prstDash val="solid"/>
+                      <a:round/>
+                      <a:headEnd type="none" w="med" len="med"/>
+                      <a:tailEnd type="none" w="med" len="med"/>
+                    </a:lnL>
+                    <a:lnT w="38100" cap="flat" cmpd="sng" algn="ctr">
+                      <a:solidFill>
+                        <a:schemeClr val="accent5">
+                          <a:lumMod val="60000"/>
+                          <a:lumOff val="40000"/>
+                        </a:schemeClr>
+                      </a:solidFill>
+                      <a:prstDash val="solid"/>
+                      <a:round/>
+                      <a:headEnd type="none" w="med" len="med"/>
+                      <a:tailEnd type="none" w="med" len="med"/>
+                    </a:lnT>
+                  </a:tcPr>
+                </a:tc>
+              </a:tr>
+              <a:tr h="808355">
+                <a:tc>
+                  <a:txBody>
+                    <a:bodyPr/>
+                    <a:lstStyle/>
+                    <a:p>
+                      <a:pPr algn="ctr"/>
+                      <a:r>
+                        <a:rPr lang="en-US" dirty="0" smtClean="0"/>
+                        <a:t>Hot Stuff</a:t>
+                      </a:r>
+                      <a:endParaRPr lang="en-US" dirty="0"/>
+                    </a:p>
+                  </a:txBody>
+                  <a:tcPr anchor="ctr">
+                    <a:lnL w="38100" cap="flat" cmpd="sng" algn="ctr">
+                      <a:solidFill>
+                        <a:schemeClr val="accent1">
+                          <a:lumMod val="60000"/>
+                          <a:lumOff val="40000"/>
+                        </a:schemeClr>
+                      </a:solidFill>
+                      <a:prstDash val="solid"/>
+                      <a:round/>
+                      <a:headEnd type="none" w="med" len="med"/>
+                      <a:tailEnd type="none" w="med" len="med"/>
+                    </a:lnL>
+                    <a:lnR w="38100" cap="flat" cmpd="sng" algn="ctr">
+                      <a:solidFill>
+                        <a:schemeClr val="accent1">
+                          <a:lumMod val="60000"/>
+                          <a:lumOff val="40000"/>
+                        </a:schemeClr>
+                      </a:solidFill>
+                      <a:prstDash val="solid"/>
+                      <a:round/>
+                      <a:headEnd type="none" w="med" len="med"/>
+                      <a:tailEnd type="none" w="med" len="med"/>
+                    </a:lnR>
+                    <a:lnT w="38100" cap="flat" cmpd="sng" algn="ctr">
+                      <a:solidFill>
+                        <a:schemeClr val="accent1">
+                          <a:lumMod val="60000"/>
+                          <a:lumOff val="40000"/>
+                        </a:schemeClr>
+                      </a:solidFill>
+                      <a:prstDash val="solid"/>
+                      <a:round/>
+                      <a:headEnd type="none" w="med" len="med"/>
+                      <a:tailEnd type="none" w="med" len="med"/>
+                    </a:lnT>
+                    <a:lnB w="38100" cap="flat" cmpd="sng" algn="ctr">
+                      <a:solidFill>
+                        <a:schemeClr val="accent1">
+                          <a:lumMod val="60000"/>
+                          <a:lumOff val="40000"/>
+                        </a:schemeClr>
+                      </a:solidFill>
+                      <a:prstDash val="solid"/>
+                      <a:round/>
+                      <a:headEnd type="none" w="med" len="med"/>
+                      <a:tailEnd type="none" w="med" len="med"/>
+                    </a:lnB>
+                  </a:tcPr>
+                </a:tc>
+                <a:tc>
+                  <a:txBody>
+                    <a:bodyPr/>
+                    <a:lstStyle/>
+                    <a:p>
+                      <a:pPr algn="ctr"/>
+                      <a:r>
+                        <a:rPr lang="en-US" dirty="0" smtClean="0"/>
+                        <a:t>Generally good profile</a:t>
+                      </a:r>
+                      <a:endParaRPr lang="en-US" dirty="0"/>
+                    </a:p>
+                  </a:txBody>
+                  <a:tcPr anchor="ctr">
+                    <a:lnL w="38100" cap="flat" cmpd="sng" algn="ctr">
+                      <a:solidFill>
+                        <a:schemeClr val="accent1">
+                          <a:lumMod val="60000"/>
+                          <a:lumOff val="40000"/>
+                        </a:schemeClr>
+                      </a:solidFill>
+                      <a:prstDash val="solid"/>
+                      <a:round/>
+                      <a:headEnd type="none" w="med" len="med"/>
+                      <a:tailEnd type="none" w="med" len="med"/>
+                    </a:lnL>
+                  </a:tcPr>
+                </a:tc>
+              </a:tr>
+              <a:tr h="808355">
+                <a:tc>
+                  <a:txBody>
+                    <a:bodyPr/>
+                    <a:lstStyle/>
+                    <a:p>
+                      <a:pPr algn="ctr"/>
+                      <a:r>
+                        <a:rPr lang="en-US" dirty="0" smtClean="0"/>
+                        <a:t>Making great lists</a:t>
+                      </a:r>
+                      <a:endParaRPr lang="en-US" dirty="0"/>
+                    </a:p>
+                  </a:txBody>
+                  <a:tcPr anchor="ctr">
+                    <a:lnT w="38100" cap="flat" cmpd="sng" algn="ctr">
+                      <a:solidFill>
+                        <a:schemeClr val="accent1">
+                          <a:lumMod val="60000"/>
+                          <a:lumOff val="40000"/>
+                        </a:schemeClr>
+                      </a:solidFill>
+                      <a:prstDash val="solid"/>
+                      <a:round/>
+                      <a:headEnd type="none" w="med" len="med"/>
+                      <a:tailEnd type="none" w="med" len="med"/>
+                    </a:lnT>
+                  </a:tcPr>
+                </a:tc>
+                <a:tc>
+                  <a:txBody>
+                    <a:bodyPr/>
+                    <a:lstStyle/>
+                    <a:p>
+                      <a:pPr algn="ctr"/>
+                      <a:endParaRPr lang="en-US" dirty="0"/>
+                    </a:p>
+                  </a:txBody>
+                  <a:tcPr anchor="ctr"/>
+                </a:tc>
+              </a:tr>
+            </a:tbl>
+          </a:graphicData>
+        </a:graphic>
+      </p:graphicFrame>
+      <p:pic>
+        <p:nvPicPr>
+          <p:cNvPr id="5" name="Content Placeholder 4"/>
+          <p:cNvPicPr>
+            <a:picLocks noGrp="1" noChangeAspect="1"/>
+          </p:cNvPicPr>
+          <p:nvPr>
+            <p:ph sz="half" idx="2"/>
+          </p:nvPr>
+        </p:nvPicPr>
+        <p:blipFill>
+          <a:blip r:embed="rId2">
+            <a:extLst>
+              <a:ext uri="{28A0092B-C50C-407E-A947-70E740481C1C}">
+                <a14:useLocalDpi xmlns:a14="http://schemas.microsoft.com/office/drawing/2010/main" val="0"/>
+              </a:ext>
+            </a:extLst>
+          </a:blip>
+          <a:stretch>
+            <a:fillRect/>
+          </a:stretch>
+        </p:blipFill>
+        <p:spPr>
+          <a:xfrm>
+            <a:off x="7315200" y="2912723"/>
+            <a:ext cx="3048000" cy="2177142"/>
+          </a:xfrm>
+        </p:spPr>
+      </p:pic>
+    </p:spTree>
+    <p:extLst>
+      <p:ext uri="{BB962C8B-B14F-4D97-AF65-F5344CB8AC3E}">
+        <p14:creationId xmlns:p14="http://schemas.microsoft.com/office/powerpoint/2010/main" val="2701849418"/>
+      </p:ext>
+    </p:extLst>
+  </p:cSld>
+  <p:clrMapOvr>
+    <a:masterClrMapping/>
+  </p:clrMapOvr>
+  <mc:AlternateContent xmlns:mc="http://schemas.openxmlformats.org/markup-compatibility/2006" xmlns:p14="http://schemas.microsoft.com/office/powerpoint/2010/main">
+    <mc:Choice Requires="p14">
+      <p:transition spd="med" p14:dur="700">
+        <p:fade/>
+      </p:transition>
+    </mc:Choice>
+    <mc:Fallback xmlns="">
+      <p:transition spd="med">
+        <p:fade/>
+      </p:transition>
+    </mc:Fallback>
+  </mc:AlternateContent>
+  <p:timing>
+    <p:tnLst>
+      <p:par>
+        <p:cTn id="1" dur="indefinite" restart="never" nodeType="tmRoot"/>
+      </p:par>
+    </p:tnLst>
+  </p:timing>
+</p:sld>
+</file>
+
+<file path=ppt/slides/slide15.xml><?xml version="1.0" encoding="utf-8"?>
+<p:sld xmlns:a="http://schemas.openxmlformats.org/drawingml/2006/main" xmlns:r="http://schemas.openxmlformats.org/officeDocument/2006/relationships" xmlns:p="http://schemas.openxmlformats.org/presentationml/2006/main">
+  <p:cSld>
+    <p:spTree>
+      <p:nvGrpSpPr>
+        <p:cNvPr id="1" name=""/>
+        <p:cNvGrpSpPr/>
+        <p:nvPr/>
+      </p:nvGrpSpPr>
+      <p:grpSpPr>
+        <a:xfrm>
+          <a:off x="0" y="0"/>
+          <a:ext cx="0" cy="0"/>
+          <a:chOff x="0" y="0"/>
+          <a:chExt cx="0" cy="0"/>
+        </a:xfrm>
+      </p:grpSpPr>
+      <p:sp>
+        <p:nvSpPr>
+          <p:cNvPr id="2" name="Title 1"/>
+          <p:cNvSpPr>
+            <a:spLocks noGrp="1"/>
+          </p:cNvSpPr>
+          <p:nvPr>
+            <p:ph type="title"/>
+          </p:nvPr>
+        </p:nvSpPr>
         <p:spPr/>
         <p:txBody>
           <a:bodyPr/>
@@ -4423,7 +5772,7 @@
           <a:p>
             <a:r>
               <a:rPr lang="en-US" dirty="0" smtClean="0"/>
-              <a:t>Should we pay attention to Elite Reviews? </a:t>
+              <a:t>Analysis 1: Should we pay attention to Elite Reviews? </a:t>
             </a:r>
             <a:endParaRPr lang="en-US" dirty="0"/>
           </a:p>
@@ -4629,7 +5978,7 @@
           <a:p>
             <a:r>
               <a:rPr lang="en-US" dirty="0" smtClean="0"/>
-              <a:t>And, can we identify characteristics of people who aren’t yet labeled elite?</a:t>
+              <a:t>Analysis 2: Within the Elite, what are the important variable differentiators?</a:t>
             </a:r>
             <a:endParaRPr lang="en-US" dirty="0"/>
           </a:p>
@@ -4998,7 +6347,7 @@
       </p:grpSpPr>
       <p:sp>
         <p:nvSpPr>
-          <p:cNvPr id="2" name="Title 1"/>
+          <p:cNvPr id="4" name="Title 3"/>
           <p:cNvSpPr>
             <a:spLocks noGrp="1"/>
           </p:cNvSpPr>
@@ -5008,21 +6357,119 @@
         </p:nvSpPr>
         <p:spPr/>
         <p:txBody>
-          <a:bodyPr/>
+          <a:bodyPr>
+            <a:normAutofit/>
+          </a:bodyPr>
           <a:lstStyle/>
           <a:p>
             <a:r>
               <a:rPr lang="en-US" dirty="0" smtClean="0"/>
-              <a:t>Project Design and Processing</a:t>
+              <a:t>Analysis 3: What do the Boston elite look like?  Where do they frequent? </a:t>
             </a:r>
             <a:endParaRPr lang="en-US" dirty="0"/>
           </a:p>
         </p:txBody>
       </p:sp>
+      <p:sp>
+        <p:nvSpPr>
+          <p:cNvPr id="2" name="TextBox 1"/>
+          <p:cNvSpPr txBox="1"/>
+          <p:nvPr/>
+        </p:nvSpPr>
+        <p:spPr>
+          <a:xfrm>
+            <a:off x="6553200" y="2438400"/>
+            <a:ext cx="4931158" cy="1754326"/>
+          </a:xfrm>
+          <a:prstGeom prst="rect">
+            <a:avLst/>
+          </a:prstGeom>
+          <a:noFill/>
+        </p:spPr>
+        <p:txBody>
+          <a:bodyPr wrap="square" rtlCol="0">
+            <a:spAutoFit/>
+          </a:bodyPr>
+          <a:lstStyle/>
+          <a:p>
+            <a:r>
+              <a:rPr lang="en-US" dirty="0" smtClean="0"/>
+              <a:t>Variables of interest:</a:t>
+            </a:r>
+          </a:p>
+          <a:p>
+            <a:pPr marL="285750" indent="-285750">
+              <a:buFont typeface="Arial" panose="020B0604020202020204" pitchFamily="34" charset="0"/>
+              <a:buChar char="•"/>
+            </a:pPr>
+            <a:endParaRPr lang="en-US" dirty="0" smtClean="0"/>
+          </a:p>
+          <a:p>
+            <a:pPr marL="285750" indent="-285750">
+              <a:buFont typeface="Arial" panose="020B0604020202020204" pitchFamily="34" charset="0"/>
+              <a:buChar char="•"/>
+            </a:pPr>
+            <a:r>
+              <a:rPr lang="en-US" dirty="0" smtClean="0"/>
+              <a:t>Price of restaurants Elite visit</a:t>
+            </a:r>
+          </a:p>
+          <a:p>
+            <a:pPr marL="285750" indent="-285750">
+              <a:buFont typeface="Arial" panose="020B0604020202020204" pitchFamily="34" charset="0"/>
+              <a:buChar char="•"/>
+            </a:pPr>
+            <a:r>
+              <a:rPr lang="en-US" dirty="0" smtClean="0"/>
+              <a:t>Categories of restaurants</a:t>
+            </a:r>
+          </a:p>
+          <a:p>
+            <a:pPr marL="285750" indent="-285750">
+              <a:buFont typeface="Arial" panose="020B0604020202020204" pitchFamily="34" charset="0"/>
+              <a:buChar char="•"/>
+            </a:pPr>
+            <a:r>
+              <a:rPr lang="en-US" dirty="0" smtClean="0"/>
+              <a:t>How has ethnic composition of where Elites visited changed over time?</a:t>
+            </a:r>
+          </a:p>
+        </p:txBody>
+      </p:sp>
+      <p:pic>
+        <p:nvPicPr>
+          <p:cNvPr id="3" name="Picture 2"/>
+          <p:cNvPicPr>
+            <a:picLocks noChangeAspect="1"/>
+          </p:cNvPicPr>
+          <p:nvPr/>
+        </p:nvPicPr>
+        <p:blipFill>
+          <a:blip r:embed="rId2">
+            <a:extLst>
+              <a:ext uri="{28A0092B-C50C-407E-A947-70E740481C1C}">
+                <a14:useLocalDpi xmlns:a14="http://schemas.microsoft.com/office/drawing/2010/main" val="0"/>
+              </a:ext>
+            </a:extLst>
+          </a:blip>
+          <a:stretch>
+            <a:fillRect/>
+          </a:stretch>
+        </p:blipFill>
+        <p:spPr>
+          <a:xfrm>
+            <a:off x="1447800" y="1828800"/>
+            <a:ext cx="3962400" cy="3816842"/>
+          </a:xfrm>
+          <a:prstGeom prst="rect">
+            <a:avLst/>
+          </a:prstGeom>
+        </p:spPr>
+      </p:pic>
     </p:spTree>
     <p:extLst>
       <p:ext uri="{BB962C8B-B14F-4D97-AF65-F5344CB8AC3E}">
-        <p14:creationId xmlns:p14="http://schemas.microsoft.com/office/powerpoint/2010/main" val="1783796071"/>
+        <p14:creationId xmlns:p14="http://schemas.microsoft.com/office/powerpoint/2010/main" val="1732385755"/>
       </p:ext>
     </p:extLst>
   </p:cSld>
@@ -5070,7 +6517,7 @@
       </p:grpSpPr>
       <p:sp>
         <p:nvSpPr>
-          <p:cNvPr id="4" name="Title 3"/>
+          <p:cNvPr id="2" name="Title 1"/>
           <p:cNvSpPr>
             <a:spLocks noGrp="1"/>
           </p:cNvSpPr>
@@ -5085,77 +6532,7 @@
           <a:p>
             <a:r>
               <a:rPr lang="en-US" dirty="0" smtClean="0"/>
-              <a:t>First, we will compare percent accuracy of elite vs. non-elite reviews in predicting overall ratings</a:t>
-            </a:r>
-            <a:endParaRPr lang="en-US" dirty="0"/>
-          </a:p>
-        </p:txBody>
-      </p:sp>
-      <p:pic>
-        <p:nvPicPr>
-          <p:cNvPr id="8" name="Content Placeholder 7"/>
-          <p:cNvPicPr>
-            <a:picLocks noGrp="1" noChangeAspect="1"/>
-          </p:cNvPicPr>
-          <p:nvPr>
-            <p:ph sz="half" idx="1"/>
-          </p:nvPr>
-        </p:nvPicPr>
-        <p:blipFill>
-          <a:blip r:embed="rId2">
-            <a:extLst>
-              <a:ext uri="{28A0092B-C50C-407E-A947-70E740481C1C}">
-                <a14:useLocalDpi xmlns:a14="http://schemas.microsoft.com/office/drawing/2010/main" val="0"/>
-              </a:ext>
-            </a:extLst>
-          </a:blip>
-          <a:stretch>
-            <a:fillRect/>
-          </a:stretch>
-        </p:blipFill>
-        <p:spPr>
-          <a:xfrm>
-            <a:off x="1031631" y="1989614"/>
-            <a:ext cx="4642338" cy="4023360"/>
-          </a:xfrm>
-        </p:spPr>
-      </p:pic>
-      <p:sp>
-        <p:nvSpPr>
-          <p:cNvPr id="3" name="Content Placeholder 2"/>
-          <p:cNvSpPr>
-            <a:spLocks noGrp="1"/>
-          </p:cNvSpPr>
-          <p:nvPr>
-            <p:ph sz="half" idx="2"/>
-          </p:nvPr>
-        </p:nvSpPr>
-        <p:spPr/>
-        <p:txBody>
-          <a:bodyPr/>
-          <a:lstStyle/>
-          <a:p>
-            <a:r>
-              <a:rPr lang="en-US" dirty="0" smtClean="0"/>
-              <a:t>Identify years that members were considered Elite</a:t>
-            </a:r>
-          </a:p>
-          <a:p>
-            <a:r>
-              <a:rPr lang="en-US" dirty="0" smtClean="0"/>
-              <a:t>Identify individual reviews that came from members and then check if that member was elite</a:t>
-            </a:r>
-          </a:p>
-          <a:p>
-            <a:r>
-              <a:rPr lang="en-US" dirty="0" smtClean="0"/>
-              <a:t>Full dataset that has each review for the business and whether or not that review came endorsed via an elite or non-elite Yelp member</a:t>
-            </a:r>
-          </a:p>
-          <a:p>
-            <a:r>
-              <a:rPr lang="en-US" dirty="0" smtClean="0"/>
-              <a:t>Use logistic regression to determine the accuracy lift experienced by using elite reviews only</a:t>
+              <a:t>Project Design and Processing</a:t>
             </a:r>
             <a:endParaRPr lang="en-US" dirty="0"/>
           </a:p>
@@ -5164,7 +6541,7 @@
     </p:spTree>
     <p:extLst>
       <p:ext uri="{BB962C8B-B14F-4D97-AF65-F5344CB8AC3E}">
-        <p14:creationId xmlns:p14="http://schemas.microsoft.com/office/powerpoint/2010/main" val="3658425150"/>
+        <p14:creationId xmlns:p14="http://schemas.microsoft.com/office/powerpoint/2010/main" val="1783796071"/>
       </p:ext>
     </p:extLst>
   </p:cSld>
@@ -5227,7 +6604,7 @@
           <a:p>
             <a:r>
               <a:rPr lang="en-US" dirty="0" smtClean="0"/>
-              <a:t>We will then use category prediction algorithms to help us to determine what predicts elite users</a:t>
+              <a:t>First, we will compare percent accuracy of elite vs. non-elite reviews in predicting overall ratings</a:t>
             </a:r>
             <a:endParaRPr lang="en-US" dirty="0"/>
           </a:p>
@@ -5257,8 +6634,8 @@
         </p:blipFill>
         <p:spPr>
           <a:xfrm>
-            <a:off x="838200" y="2117550"/>
-            <a:ext cx="5029200" cy="3767488"/>
+            <a:off x="1031631" y="1989614"/>
+            <a:ext cx="4642338" cy="4023360"/>
           </a:xfrm>
         </p:spPr>
       </p:pic>
@@ -5279,11 +6656,25 @@
           <a:p>
             <a:r>
               <a:rPr lang="en-US" dirty="0" smtClean="0"/>
-              <a:t>To </a:t>
-            </a:r>
-            <a:r>
-              <a:rPr lang="en-US" dirty="0" err="1" smtClean="0"/>
-              <a:t>contin</a:t>
+              <a:t>Identify years that members were considered Elite</a:t>
+            </a:r>
+          </a:p>
+          <a:p>
+            <a:r>
+              <a:rPr lang="en-US" dirty="0" smtClean="0"/>
+              <a:t>Identify individual reviews that came from members and then check if that member was elite</a:t>
+            </a:r>
+          </a:p>
+          <a:p>
+            <a:r>
+              <a:rPr lang="en-US" dirty="0" smtClean="0"/>
+              <a:t>Full dataset that has each review for the business and whether or not that review came endorsed via an elite or non-elite Yelp member</a:t>
+            </a:r>
+          </a:p>
+          <a:p>
+            <a:r>
+              <a:rPr lang="en-US" dirty="0" smtClean="0"/>
+              <a:t>Use logistic regression to determine the accuracy lift experienced by using elite reviews only</a:t>
             </a:r>
             <a:endParaRPr lang="en-US" dirty="0"/>
           </a:p>
@@ -5292,7 +6683,7 @@
     </p:spTree>
     <p:extLst>
       <p:ext uri="{BB962C8B-B14F-4D97-AF65-F5344CB8AC3E}">
-        <p14:creationId xmlns:p14="http://schemas.microsoft.com/office/powerpoint/2010/main" val="744923952"/>
+        <p14:creationId xmlns:p14="http://schemas.microsoft.com/office/powerpoint/2010/main" val="3658425150"/>
       </p:ext>
     </p:extLst>
   </p:cSld>
@@ -5340,7 +6731,7 @@
       </p:grpSpPr>
       <p:sp>
         <p:nvSpPr>
-          <p:cNvPr id="2" name="Title 1"/>
+          <p:cNvPr id="4" name="Title 3"/>
           <p:cNvSpPr>
             <a:spLocks noGrp="1"/>
           </p:cNvSpPr>
@@ -5355,7 +6746,7 @@
           <a:p>
             <a:r>
               <a:rPr lang="en-US" dirty="0" smtClean="0"/>
-              <a:t>In specific, further parsing was done to understand if different types of user compliments matter</a:t>
+              <a:t>We will then use category prediction algorithms to help us to determine what predicts elite users</a:t>
             </a:r>
             <a:endParaRPr lang="en-US" dirty="0"/>
           </a:p>
@@ -5363,11 +6754,13 @@
       </p:sp>
       <p:pic>
         <p:nvPicPr>
-          <p:cNvPr id="1026" name="Picture 2" descr="http://yelp.typepad.com/.a/6a00d83452b44469e2017d41630e95970c-pi"/>
+          <p:cNvPr id="8" name="Content Placeholder 7"/>
           <p:cNvPicPr>
-            <a:picLocks noChangeAspect="1" noChangeArrowheads="1"/>
+            <a:picLocks noGrp="1" noChangeAspect="1"/>
           </p:cNvPicPr>
-          <p:nvPr/>
+          <p:nvPr>
+            <p:ph sz="half" idx="1"/>
+          </p:nvPr>
         </p:nvPicPr>
         <p:blipFill>
           <a:blip r:embed="rId2">
@@ -5377,35 +6770,64 @@
               </a:ext>
             </a:extLst>
           </a:blip>
-          <a:srcRect/>
           <a:stretch>
             <a:fillRect/>
           </a:stretch>
         </p:blipFill>
-        <p:spPr bwMode="auto">
+        <p:spPr>
           <a:xfrm>
-            <a:off x="1219200" y="1828800"/>
-            <a:ext cx="9353550" cy="4495800"/>
+            <a:off x="838200" y="2117550"/>
+            <a:ext cx="5029200" cy="3767488"/>
           </a:xfrm>
-          <a:prstGeom prst="rect">
-            <a:avLst/>
-          </a:prstGeom>
-          <a:noFill/>
-          <a:extLst>
-            <a:ext uri="{909E8E84-426E-40DD-AFC4-6F175D3DCCD1}">
-              <a14:hiddenFill xmlns:a14="http://schemas.microsoft.com/office/drawing/2010/main">
-                <a:solidFill>
-                  <a:srgbClr val="FFFFFF"/>
-                </a:solidFill>
-              </a14:hiddenFill>
-            </a:ext>
-          </a:extLst>
         </p:spPr>
       </p:pic>
+      <p:sp>
+        <p:nvSpPr>
+          <p:cNvPr id="5" name="Content Placeholder 2"/>
+          <p:cNvSpPr>
+            <a:spLocks noGrp="1"/>
+          </p:cNvSpPr>
+          <p:nvPr>
+            <p:ph sz="half" idx="2"/>
+          </p:nvPr>
+        </p:nvSpPr>
+        <p:spPr>
+          <a:xfrm>
+            <a:off x="6324600" y="1825625"/>
+            <a:ext cx="5029200" cy="4351338"/>
+          </a:xfrm>
+        </p:spPr>
+        <p:txBody>
+          <a:bodyPr>
+            <a:normAutofit/>
+          </a:bodyPr>
+          <a:lstStyle/>
+          <a:p>
+            <a:r>
+              <a:rPr lang="en-US" dirty="0" smtClean="0"/>
+              <a:t>Whereas the first analysis is targeting the business success, here we are determining what features are predictive of someone being elite</a:t>
+            </a:r>
+            <a:endParaRPr lang="en-US" dirty="0" smtClean="0"/>
+          </a:p>
+          <a:p>
+            <a:r>
+              <a:rPr lang="en-US" dirty="0" smtClean="0"/>
+              <a:t>The dataset here includes # of friends, # of compliments, # of fans, and other user-level bits of information that can placed as possible predictors in our modeling efforts</a:t>
+            </a:r>
+            <a:endParaRPr lang="en-US" dirty="0" smtClean="0"/>
+          </a:p>
+          <a:p>
+            <a:r>
+              <a:rPr lang="en-US" dirty="0"/>
+              <a:t>We will utilize Random Forest, Decision Trees, and Boosting trees to determine the most accurate algorithm</a:t>
+            </a:r>
+          </a:p>
+        </p:txBody>
+      </p:sp>
     </p:spTree>
     <p:extLst>
       <p:ext uri="{BB962C8B-B14F-4D97-AF65-F5344CB8AC3E}">
-        <p14:creationId xmlns:p14="http://schemas.microsoft.com/office/powerpoint/2010/main" val="2617733160"/>
+        <p14:creationId xmlns:p14="http://schemas.microsoft.com/office/powerpoint/2010/main" val="744923952"/>
       </p:ext>
     </p:extLst>
   </p:cSld>
